--- a/007---新人介绍模板.pptx
+++ b/007---新人介绍模板.pptx
@@ -1,11 +1,11 @@
 
 <file path=ppt/presentation.xml><?xml version="1.0" encoding="utf-8"?>
-<p:presentation xmlns:a="http://schemas.openxmlformats.org/drawingml/2006/main" xmlns:r="http://schemas.openxmlformats.org/officeDocument/2006/relationships" xmlns:p="http://schemas.openxmlformats.org/presentationml/2006/main" saveSubsetFonts="1">
+<p:presentation xmlns:a="http://schemas.openxmlformats.org/drawingml/2006/main" xmlns:r="http://schemas.openxmlformats.org/officeDocument/2006/relationships" xmlns:p="http://schemas.openxmlformats.org/presentationml/2006/main">
   <p:sldMasterIdLst>
     <p:sldMasterId id="2147483648" r:id="rId1"/>
   </p:sldMasterIdLst>
   <p:sldIdLst>
-    <p:sldId id="257" r:id="rId2"/>
+    <p:sldId id="257" r:id="rId3"/>
   </p:sldIdLst>
   <p:sldSz cx="12192000" cy="6858000"/>
   <p:notesSz cx="6858000" cy="9144000"/>
@@ -104,11 +104,6 @@
       </a:defRPr>
     </a:lvl9pPr>
   </p:defaultTextStyle>
-  <p:extLst>
-    <p:ext uri="{EFAFB233-063F-42B5-8137-9DF3F51BA10A}">
-      <p15:sldGuideLst xmlns:p15="http://schemas.microsoft.com/office/powerpoint/2012/main" xmlns=""/>
-    </p:ext>
-  </p:extLst>
 </p:presentation>
 </file>
 
@@ -243,8 +238,6 @@
           <a:p>
             <a:fld id="{94386F72-E8DC-46CC-A34D-6B127F367524}" type="datetimeFigureOut">
               <a:rPr lang="zh-CN" altLang="en-US" smtClean="0"/>
-              <a:pPr/>
-              <a:t>2017/10/16</a:t>
             </a:fld>
             <a:endParaRPr lang="zh-CN" altLang="en-US"/>
           </a:p>
@@ -286,19 +279,12 @@
           <a:p>
             <a:fld id="{39D97DA0-BC23-4327-BF10-3788B062EA02}" type="slidenum">
               <a:rPr lang="zh-CN" altLang="en-US" smtClean="0"/>
-              <a:pPr/>
-              <a:t>‹#›</a:t>
             </a:fld>
             <a:endParaRPr lang="zh-CN" altLang="en-US"/>
           </a:p>
         </p:txBody>
       </p:sp>
     </p:spTree>
-    <p:extLst>
-      <p:ext uri="{BB962C8B-B14F-4D97-AF65-F5344CB8AC3E}">
-        <p14:creationId xmlns:p14="http://schemas.microsoft.com/office/powerpoint/2010/main" xmlns="" val="1185054990"/>
-      </p:ext>
-    </p:extLst>
   </p:cSld>
   <p:clrMapOvr>
     <a:masterClrMapping/>
@@ -366,6 +352,7 @@
               <a:rPr lang="zh-CN" altLang="en-US" smtClean="0"/>
               <a:t>单击此处编辑母版文本样式</a:t>
             </a:r>
+            <a:endParaRPr lang="zh-CN" altLang="en-US" smtClean="0"/>
           </a:p>
           <a:p>
             <a:pPr lvl="1"/>
@@ -373,6 +360,7 @@
               <a:rPr lang="zh-CN" altLang="en-US" smtClean="0"/>
               <a:t>第二级</a:t>
             </a:r>
+            <a:endParaRPr lang="zh-CN" altLang="en-US" smtClean="0"/>
           </a:p>
           <a:p>
             <a:pPr lvl="2"/>
@@ -380,6 +368,7 @@
               <a:rPr lang="zh-CN" altLang="en-US" smtClean="0"/>
               <a:t>第三级</a:t>
             </a:r>
+            <a:endParaRPr lang="zh-CN" altLang="en-US" smtClean="0"/>
           </a:p>
           <a:p>
             <a:pPr lvl="3"/>
@@ -387,6 +376,7 @@
               <a:rPr lang="zh-CN" altLang="en-US" smtClean="0"/>
               <a:t>第四级</a:t>
             </a:r>
+            <a:endParaRPr lang="zh-CN" altLang="en-US" smtClean="0"/>
           </a:p>
           <a:p>
             <a:pPr lvl="4"/>
@@ -415,8 +405,6 @@
           <a:p>
             <a:fld id="{94386F72-E8DC-46CC-A34D-6B127F367524}" type="datetimeFigureOut">
               <a:rPr lang="zh-CN" altLang="en-US" smtClean="0"/>
-              <a:pPr/>
-              <a:t>2017/10/16</a:t>
             </a:fld>
             <a:endParaRPr lang="zh-CN" altLang="en-US"/>
           </a:p>
@@ -458,19 +446,12 @@
           <a:p>
             <a:fld id="{39D97DA0-BC23-4327-BF10-3788B062EA02}" type="slidenum">
               <a:rPr lang="zh-CN" altLang="en-US" smtClean="0"/>
-              <a:pPr/>
-              <a:t>‹#›</a:t>
             </a:fld>
             <a:endParaRPr lang="zh-CN" altLang="en-US"/>
           </a:p>
         </p:txBody>
       </p:sp>
     </p:spTree>
-    <p:extLst>
-      <p:ext uri="{BB962C8B-B14F-4D97-AF65-F5344CB8AC3E}">
-        <p14:creationId xmlns:p14="http://schemas.microsoft.com/office/powerpoint/2010/main" xmlns="" val="989051094"/>
-      </p:ext>
-    </p:extLst>
   </p:cSld>
   <p:clrMapOvr>
     <a:masterClrMapping/>
@@ -548,6 +529,7 @@
               <a:rPr lang="zh-CN" altLang="en-US" smtClean="0"/>
               <a:t>单击此处编辑母版文本样式</a:t>
             </a:r>
+            <a:endParaRPr lang="zh-CN" altLang="en-US" smtClean="0"/>
           </a:p>
           <a:p>
             <a:pPr lvl="1"/>
@@ -555,6 +537,7 @@
               <a:rPr lang="zh-CN" altLang="en-US" smtClean="0"/>
               <a:t>第二级</a:t>
             </a:r>
+            <a:endParaRPr lang="zh-CN" altLang="en-US" smtClean="0"/>
           </a:p>
           <a:p>
             <a:pPr lvl="2"/>
@@ -562,6 +545,7 @@
               <a:rPr lang="zh-CN" altLang="en-US" smtClean="0"/>
               <a:t>第三级</a:t>
             </a:r>
+            <a:endParaRPr lang="zh-CN" altLang="en-US" smtClean="0"/>
           </a:p>
           <a:p>
             <a:pPr lvl="3"/>
@@ -569,6 +553,7 @@
               <a:rPr lang="zh-CN" altLang="en-US" smtClean="0"/>
               <a:t>第四级</a:t>
             </a:r>
+            <a:endParaRPr lang="zh-CN" altLang="en-US" smtClean="0"/>
           </a:p>
           <a:p>
             <a:pPr lvl="4"/>
@@ -597,8 +582,6 @@
           <a:p>
             <a:fld id="{94386F72-E8DC-46CC-A34D-6B127F367524}" type="datetimeFigureOut">
               <a:rPr lang="zh-CN" altLang="en-US" smtClean="0"/>
-              <a:pPr/>
-              <a:t>2017/10/16</a:t>
             </a:fld>
             <a:endParaRPr lang="zh-CN" altLang="en-US"/>
           </a:p>
@@ -640,19 +623,12 @@
           <a:p>
             <a:fld id="{39D97DA0-BC23-4327-BF10-3788B062EA02}" type="slidenum">
               <a:rPr lang="zh-CN" altLang="en-US" smtClean="0"/>
-              <a:pPr/>
-              <a:t>‹#›</a:t>
             </a:fld>
             <a:endParaRPr lang="zh-CN" altLang="en-US"/>
           </a:p>
         </p:txBody>
       </p:sp>
     </p:spTree>
-    <p:extLst>
-      <p:ext uri="{BB962C8B-B14F-4D97-AF65-F5344CB8AC3E}">
-        <p14:creationId xmlns:p14="http://schemas.microsoft.com/office/powerpoint/2010/main" xmlns="" val="4287171106"/>
-      </p:ext>
-    </p:extLst>
   </p:cSld>
   <p:clrMapOvr>
     <a:masterClrMapping/>
@@ -720,6 +696,7 @@
               <a:rPr lang="zh-CN" altLang="en-US" smtClean="0"/>
               <a:t>单击此处编辑母版文本样式</a:t>
             </a:r>
+            <a:endParaRPr lang="zh-CN" altLang="en-US" smtClean="0"/>
           </a:p>
           <a:p>
             <a:pPr lvl="1"/>
@@ -727,6 +704,7 @@
               <a:rPr lang="zh-CN" altLang="en-US" smtClean="0"/>
               <a:t>第二级</a:t>
             </a:r>
+            <a:endParaRPr lang="zh-CN" altLang="en-US" smtClean="0"/>
           </a:p>
           <a:p>
             <a:pPr lvl="2"/>
@@ -734,6 +712,7 @@
               <a:rPr lang="zh-CN" altLang="en-US" smtClean="0"/>
               <a:t>第三级</a:t>
             </a:r>
+            <a:endParaRPr lang="zh-CN" altLang="en-US" smtClean="0"/>
           </a:p>
           <a:p>
             <a:pPr lvl="3"/>
@@ -741,6 +720,7 @@
               <a:rPr lang="zh-CN" altLang="en-US" smtClean="0"/>
               <a:t>第四级</a:t>
             </a:r>
+            <a:endParaRPr lang="zh-CN" altLang="en-US" smtClean="0"/>
           </a:p>
           <a:p>
             <a:pPr lvl="4"/>
@@ -769,8 +749,6 @@
           <a:p>
             <a:fld id="{94386F72-E8DC-46CC-A34D-6B127F367524}" type="datetimeFigureOut">
               <a:rPr lang="zh-CN" altLang="en-US" smtClean="0"/>
-              <a:pPr/>
-              <a:t>2017/10/16</a:t>
             </a:fld>
             <a:endParaRPr lang="zh-CN" altLang="en-US"/>
           </a:p>
@@ -812,19 +790,12 @@
           <a:p>
             <a:fld id="{39D97DA0-BC23-4327-BF10-3788B062EA02}" type="slidenum">
               <a:rPr lang="zh-CN" altLang="en-US" smtClean="0"/>
-              <a:pPr/>
-              <a:t>‹#›</a:t>
             </a:fld>
             <a:endParaRPr lang="zh-CN" altLang="en-US"/>
           </a:p>
         </p:txBody>
       </p:sp>
     </p:spTree>
-    <p:extLst>
-      <p:ext uri="{BB962C8B-B14F-4D97-AF65-F5344CB8AC3E}">
-        <p14:creationId xmlns:p14="http://schemas.microsoft.com/office/powerpoint/2010/main" xmlns="" val="1168189072"/>
-      </p:ext>
-    </p:extLst>
   </p:cSld>
   <p:clrMapOvr>
     <a:masterClrMapping/>
@@ -997,6 +968,7 @@
               <a:rPr lang="zh-CN" altLang="en-US" smtClean="0"/>
               <a:t>单击此处编辑母版文本样式</a:t>
             </a:r>
+            <a:endParaRPr lang="zh-CN" altLang="en-US" smtClean="0"/>
           </a:p>
         </p:txBody>
       </p:sp>
@@ -1017,8 +989,6 @@
           <a:p>
             <a:fld id="{94386F72-E8DC-46CC-A34D-6B127F367524}" type="datetimeFigureOut">
               <a:rPr lang="zh-CN" altLang="en-US" smtClean="0"/>
-              <a:pPr/>
-              <a:t>2017/10/16</a:t>
             </a:fld>
             <a:endParaRPr lang="zh-CN" altLang="en-US"/>
           </a:p>
@@ -1060,19 +1030,12 @@
           <a:p>
             <a:fld id="{39D97DA0-BC23-4327-BF10-3788B062EA02}" type="slidenum">
               <a:rPr lang="zh-CN" altLang="en-US" smtClean="0"/>
-              <a:pPr/>
-              <a:t>‹#›</a:t>
             </a:fld>
             <a:endParaRPr lang="zh-CN" altLang="en-US"/>
           </a:p>
         </p:txBody>
       </p:sp>
     </p:spTree>
-    <p:extLst>
-      <p:ext uri="{BB962C8B-B14F-4D97-AF65-F5344CB8AC3E}">
-        <p14:creationId xmlns:p14="http://schemas.microsoft.com/office/powerpoint/2010/main" xmlns="" val="896372128"/>
-      </p:ext>
-    </p:extLst>
   </p:cSld>
   <p:clrMapOvr>
     <a:masterClrMapping/>
@@ -1145,6 +1108,7 @@
               <a:rPr lang="zh-CN" altLang="en-US" smtClean="0"/>
               <a:t>单击此处编辑母版文本样式</a:t>
             </a:r>
+            <a:endParaRPr lang="zh-CN" altLang="en-US" smtClean="0"/>
           </a:p>
           <a:p>
             <a:pPr lvl="1"/>
@@ -1152,6 +1116,7 @@
               <a:rPr lang="zh-CN" altLang="en-US" smtClean="0"/>
               <a:t>第二级</a:t>
             </a:r>
+            <a:endParaRPr lang="zh-CN" altLang="en-US" smtClean="0"/>
           </a:p>
           <a:p>
             <a:pPr lvl="2"/>
@@ -1159,6 +1124,7 @@
               <a:rPr lang="zh-CN" altLang="en-US" smtClean="0"/>
               <a:t>第三级</a:t>
             </a:r>
+            <a:endParaRPr lang="zh-CN" altLang="en-US" smtClean="0"/>
           </a:p>
           <a:p>
             <a:pPr lvl="3"/>
@@ -1166,6 +1132,7 @@
               <a:rPr lang="zh-CN" altLang="en-US" smtClean="0"/>
               <a:t>第四级</a:t>
             </a:r>
+            <a:endParaRPr lang="zh-CN" altLang="en-US" smtClean="0"/>
           </a:p>
           <a:p>
             <a:pPr lvl="4"/>
@@ -1202,6 +1169,7 @@
               <a:rPr lang="zh-CN" altLang="en-US" smtClean="0"/>
               <a:t>单击此处编辑母版文本样式</a:t>
             </a:r>
+            <a:endParaRPr lang="zh-CN" altLang="en-US" smtClean="0"/>
           </a:p>
           <a:p>
             <a:pPr lvl="1"/>
@@ -1209,6 +1177,7 @@
               <a:rPr lang="zh-CN" altLang="en-US" smtClean="0"/>
               <a:t>第二级</a:t>
             </a:r>
+            <a:endParaRPr lang="zh-CN" altLang="en-US" smtClean="0"/>
           </a:p>
           <a:p>
             <a:pPr lvl="2"/>
@@ -1216,6 +1185,7 @@
               <a:rPr lang="zh-CN" altLang="en-US" smtClean="0"/>
               <a:t>第三级</a:t>
             </a:r>
+            <a:endParaRPr lang="zh-CN" altLang="en-US" smtClean="0"/>
           </a:p>
           <a:p>
             <a:pPr lvl="3"/>
@@ -1223,6 +1193,7 @@
               <a:rPr lang="zh-CN" altLang="en-US" smtClean="0"/>
               <a:t>第四级</a:t>
             </a:r>
+            <a:endParaRPr lang="zh-CN" altLang="en-US" smtClean="0"/>
           </a:p>
           <a:p>
             <a:pPr lvl="4"/>
@@ -1251,8 +1222,6 @@
           <a:p>
             <a:fld id="{94386F72-E8DC-46CC-A34D-6B127F367524}" type="datetimeFigureOut">
               <a:rPr lang="zh-CN" altLang="en-US" smtClean="0"/>
-              <a:pPr/>
-              <a:t>2017/10/16</a:t>
             </a:fld>
             <a:endParaRPr lang="zh-CN" altLang="en-US"/>
           </a:p>
@@ -1294,19 +1263,12 @@
           <a:p>
             <a:fld id="{39D97DA0-BC23-4327-BF10-3788B062EA02}" type="slidenum">
               <a:rPr lang="zh-CN" altLang="en-US" smtClean="0"/>
-              <a:pPr/>
-              <a:t>‹#›</a:t>
             </a:fld>
             <a:endParaRPr lang="zh-CN" altLang="en-US"/>
           </a:p>
         </p:txBody>
       </p:sp>
     </p:spTree>
-    <p:extLst>
-      <p:ext uri="{BB962C8B-B14F-4D97-AF65-F5344CB8AC3E}">
-        <p14:creationId xmlns:p14="http://schemas.microsoft.com/office/powerpoint/2010/main" xmlns="" val="3789014185"/>
-      </p:ext>
-    </p:extLst>
   </p:cSld>
   <p:clrMapOvr>
     <a:masterClrMapping/>
@@ -1421,6 +1383,7 @@
               <a:rPr lang="zh-CN" altLang="en-US" smtClean="0"/>
               <a:t>单击此处编辑母版文本样式</a:t>
             </a:r>
+            <a:endParaRPr lang="zh-CN" altLang="en-US" smtClean="0"/>
           </a:p>
         </p:txBody>
       </p:sp>
@@ -1449,6 +1412,7 @@
               <a:rPr lang="zh-CN" altLang="en-US" smtClean="0"/>
               <a:t>单击此处编辑母版文本样式</a:t>
             </a:r>
+            <a:endParaRPr lang="zh-CN" altLang="en-US" smtClean="0"/>
           </a:p>
           <a:p>
             <a:pPr lvl="1"/>
@@ -1456,6 +1420,7 @@
               <a:rPr lang="zh-CN" altLang="en-US" smtClean="0"/>
               <a:t>第二级</a:t>
             </a:r>
+            <a:endParaRPr lang="zh-CN" altLang="en-US" smtClean="0"/>
           </a:p>
           <a:p>
             <a:pPr lvl="2"/>
@@ -1463,6 +1428,7 @@
               <a:rPr lang="zh-CN" altLang="en-US" smtClean="0"/>
               <a:t>第三级</a:t>
             </a:r>
+            <a:endParaRPr lang="zh-CN" altLang="en-US" smtClean="0"/>
           </a:p>
           <a:p>
             <a:pPr lvl="3"/>
@@ -1470,6 +1436,7 @@
               <a:rPr lang="zh-CN" altLang="en-US" smtClean="0"/>
               <a:t>第四级</a:t>
             </a:r>
+            <a:endParaRPr lang="zh-CN" altLang="en-US" smtClean="0"/>
           </a:p>
           <a:p>
             <a:pPr lvl="4"/>
@@ -1543,6 +1510,7 @@
               <a:rPr lang="zh-CN" altLang="en-US" smtClean="0"/>
               <a:t>单击此处编辑母版文本样式</a:t>
             </a:r>
+            <a:endParaRPr lang="zh-CN" altLang="en-US" smtClean="0"/>
           </a:p>
         </p:txBody>
       </p:sp>
@@ -1571,6 +1539,7 @@
               <a:rPr lang="zh-CN" altLang="en-US" smtClean="0"/>
               <a:t>单击此处编辑母版文本样式</a:t>
             </a:r>
+            <a:endParaRPr lang="zh-CN" altLang="en-US" smtClean="0"/>
           </a:p>
           <a:p>
             <a:pPr lvl="1"/>
@@ -1578,6 +1547,7 @@
               <a:rPr lang="zh-CN" altLang="en-US" smtClean="0"/>
               <a:t>第二级</a:t>
             </a:r>
+            <a:endParaRPr lang="zh-CN" altLang="en-US" smtClean="0"/>
           </a:p>
           <a:p>
             <a:pPr lvl="2"/>
@@ -1585,6 +1555,7 @@
               <a:rPr lang="zh-CN" altLang="en-US" smtClean="0"/>
               <a:t>第三级</a:t>
             </a:r>
+            <a:endParaRPr lang="zh-CN" altLang="en-US" smtClean="0"/>
           </a:p>
           <a:p>
             <a:pPr lvl="3"/>
@@ -1592,6 +1563,7 @@
               <a:rPr lang="zh-CN" altLang="en-US" smtClean="0"/>
               <a:t>第四级</a:t>
             </a:r>
+            <a:endParaRPr lang="zh-CN" altLang="en-US" smtClean="0"/>
           </a:p>
           <a:p>
             <a:pPr lvl="4"/>
@@ -1620,8 +1592,6 @@
           <a:p>
             <a:fld id="{94386F72-E8DC-46CC-A34D-6B127F367524}" type="datetimeFigureOut">
               <a:rPr lang="zh-CN" altLang="en-US" smtClean="0"/>
-              <a:pPr/>
-              <a:t>2017/10/16</a:t>
             </a:fld>
             <a:endParaRPr lang="zh-CN" altLang="en-US"/>
           </a:p>
@@ -1663,19 +1633,12 @@
           <a:p>
             <a:fld id="{39D97DA0-BC23-4327-BF10-3788B062EA02}" type="slidenum">
               <a:rPr lang="zh-CN" altLang="en-US" smtClean="0"/>
-              <a:pPr/>
-              <a:t>‹#›</a:t>
             </a:fld>
             <a:endParaRPr lang="zh-CN" altLang="en-US"/>
           </a:p>
         </p:txBody>
       </p:sp>
     </p:spTree>
-    <p:extLst>
-      <p:ext uri="{BB962C8B-B14F-4D97-AF65-F5344CB8AC3E}">
-        <p14:creationId xmlns:p14="http://schemas.microsoft.com/office/powerpoint/2010/main" xmlns="" val="3192709456"/>
-      </p:ext>
-    </p:extLst>
   </p:cSld>
   <p:clrMapOvr>
     <a:masterClrMapping/>
@@ -1740,8 +1703,6 @@
           <a:p>
             <a:fld id="{94386F72-E8DC-46CC-A34D-6B127F367524}" type="datetimeFigureOut">
               <a:rPr lang="zh-CN" altLang="en-US" smtClean="0"/>
-              <a:pPr/>
-              <a:t>2017/10/16</a:t>
             </a:fld>
             <a:endParaRPr lang="zh-CN" altLang="en-US"/>
           </a:p>
@@ -1783,19 +1744,12 @@
           <a:p>
             <a:fld id="{39D97DA0-BC23-4327-BF10-3788B062EA02}" type="slidenum">
               <a:rPr lang="zh-CN" altLang="en-US" smtClean="0"/>
-              <a:pPr/>
-              <a:t>‹#›</a:t>
             </a:fld>
             <a:endParaRPr lang="zh-CN" altLang="en-US"/>
           </a:p>
         </p:txBody>
       </p:sp>
     </p:spTree>
-    <p:extLst>
-      <p:ext uri="{BB962C8B-B14F-4D97-AF65-F5344CB8AC3E}">
-        <p14:creationId xmlns:p14="http://schemas.microsoft.com/office/powerpoint/2010/main" xmlns="" val="1077319875"/>
-      </p:ext>
-    </p:extLst>
   </p:cSld>
   <p:clrMapOvr>
     <a:masterClrMapping/>
@@ -1837,8 +1791,6 @@
           <a:p>
             <a:fld id="{94386F72-E8DC-46CC-A34D-6B127F367524}" type="datetimeFigureOut">
               <a:rPr lang="zh-CN" altLang="en-US" smtClean="0"/>
-              <a:pPr/>
-              <a:t>2017/10/16</a:t>
             </a:fld>
             <a:endParaRPr lang="zh-CN" altLang="en-US"/>
           </a:p>
@@ -1880,19 +1832,12 @@
           <a:p>
             <a:fld id="{39D97DA0-BC23-4327-BF10-3788B062EA02}" type="slidenum">
               <a:rPr lang="zh-CN" altLang="en-US" smtClean="0"/>
-              <a:pPr/>
-              <a:t>‹#›</a:t>
             </a:fld>
             <a:endParaRPr lang="zh-CN" altLang="en-US"/>
           </a:p>
         </p:txBody>
       </p:sp>
     </p:spTree>
-    <p:extLst>
-      <p:ext uri="{BB962C8B-B14F-4D97-AF65-F5344CB8AC3E}">
-        <p14:creationId xmlns:p14="http://schemas.microsoft.com/office/powerpoint/2010/main" xmlns="" val="2271635358"/>
-      </p:ext>
-    </p:extLst>
   </p:cSld>
   <p:clrMapOvr>
     <a:masterClrMapping/>
@@ -2002,6 +1947,7 @@
               <a:rPr lang="zh-CN" altLang="en-US" smtClean="0"/>
               <a:t>单击此处编辑母版文本样式</a:t>
             </a:r>
+            <a:endParaRPr lang="zh-CN" altLang="en-US" smtClean="0"/>
           </a:p>
           <a:p>
             <a:pPr lvl="1"/>
@@ -2009,6 +1955,7 @@
               <a:rPr lang="zh-CN" altLang="en-US" smtClean="0"/>
               <a:t>第二级</a:t>
             </a:r>
+            <a:endParaRPr lang="zh-CN" altLang="en-US" smtClean="0"/>
           </a:p>
           <a:p>
             <a:pPr lvl="2"/>
@@ -2016,6 +1963,7 @@
               <a:rPr lang="zh-CN" altLang="en-US" smtClean="0"/>
               <a:t>第三级</a:t>
             </a:r>
+            <a:endParaRPr lang="zh-CN" altLang="en-US" smtClean="0"/>
           </a:p>
           <a:p>
             <a:pPr lvl="3"/>
@@ -2023,6 +1971,7 @@
               <a:rPr lang="zh-CN" altLang="en-US" smtClean="0"/>
               <a:t>第四级</a:t>
             </a:r>
+            <a:endParaRPr lang="zh-CN" altLang="en-US" smtClean="0"/>
           </a:p>
           <a:p>
             <a:pPr lvl="4"/>
@@ -2096,6 +2045,7 @@
               <a:rPr lang="zh-CN" altLang="en-US" smtClean="0"/>
               <a:t>单击此处编辑母版文本样式</a:t>
             </a:r>
+            <a:endParaRPr lang="zh-CN" altLang="en-US" smtClean="0"/>
           </a:p>
         </p:txBody>
       </p:sp>
@@ -2116,8 +2066,6 @@
           <a:p>
             <a:fld id="{94386F72-E8DC-46CC-A34D-6B127F367524}" type="datetimeFigureOut">
               <a:rPr lang="zh-CN" altLang="en-US" smtClean="0"/>
-              <a:pPr/>
-              <a:t>2017/10/16</a:t>
             </a:fld>
             <a:endParaRPr lang="zh-CN" altLang="en-US"/>
           </a:p>
@@ -2159,19 +2107,12 @@
           <a:p>
             <a:fld id="{39D97DA0-BC23-4327-BF10-3788B062EA02}" type="slidenum">
               <a:rPr lang="zh-CN" altLang="en-US" smtClean="0"/>
-              <a:pPr/>
-              <a:t>‹#›</a:t>
             </a:fld>
             <a:endParaRPr lang="zh-CN" altLang="en-US"/>
           </a:p>
         </p:txBody>
       </p:sp>
     </p:spTree>
-    <p:extLst>
-      <p:ext uri="{BB962C8B-B14F-4D97-AF65-F5344CB8AC3E}">
-        <p14:creationId xmlns:p14="http://schemas.microsoft.com/office/powerpoint/2010/main" xmlns="" val="2632694020"/>
-      </p:ext>
-    </p:extLst>
   </p:cSld>
   <p:clrMapOvr>
     <a:masterClrMapping/>
@@ -2351,6 +2292,7 @@
               <a:rPr lang="zh-CN" altLang="en-US" smtClean="0"/>
               <a:t>单击此处编辑母版文本样式</a:t>
             </a:r>
+            <a:endParaRPr lang="zh-CN" altLang="en-US" smtClean="0"/>
           </a:p>
         </p:txBody>
       </p:sp>
@@ -2371,8 +2313,6 @@
           <a:p>
             <a:fld id="{94386F72-E8DC-46CC-A34D-6B127F367524}" type="datetimeFigureOut">
               <a:rPr lang="zh-CN" altLang="en-US" smtClean="0"/>
-              <a:pPr/>
-              <a:t>2017/10/16</a:t>
             </a:fld>
             <a:endParaRPr lang="zh-CN" altLang="en-US"/>
           </a:p>
@@ -2414,19 +2354,12 @@
           <a:p>
             <a:fld id="{39D97DA0-BC23-4327-BF10-3788B062EA02}" type="slidenum">
               <a:rPr lang="zh-CN" altLang="en-US" smtClean="0"/>
-              <a:pPr/>
-              <a:t>‹#›</a:t>
             </a:fld>
             <a:endParaRPr lang="zh-CN" altLang="en-US"/>
           </a:p>
         </p:txBody>
       </p:sp>
     </p:spTree>
-    <p:extLst>
-      <p:ext uri="{BB962C8B-B14F-4D97-AF65-F5344CB8AC3E}">
-        <p14:creationId xmlns:p14="http://schemas.microsoft.com/office/powerpoint/2010/main" xmlns="" val="2293559895"/>
-      </p:ext>
-    </p:extLst>
   </p:cSld>
   <p:clrMapOvr>
     <a:masterClrMapping/>
@@ -2519,6 +2452,7 @@
               <a:rPr lang="zh-CN" altLang="en-US" smtClean="0"/>
               <a:t>单击此处编辑母版文本样式</a:t>
             </a:r>
+            <a:endParaRPr lang="zh-CN" altLang="en-US" smtClean="0"/>
           </a:p>
           <a:p>
             <a:pPr lvl="1"/>
@@ -2526,6 +2460,7 @@
               <a:rPr lang="zh-CN" altLang="en-US" smtClean="0"/>
               <a:t>第二级</a:t>
             </a:r>
+            <a:endParaRPr lang="zh-CN" altLang="en-US" smtClean="0"/>
           </a:p>
           <a:p>
             <a:pPr lvl="2"/>
@@ -2533,6 +2468,7 @@
               <a:rPr lang="zh-CN" altLang="en-US" smtClean="0"/>
               <a:t>第三级</a:t>
             </a:r>
+            <a:endParaRPr lang="zh-CN" altLang="en-US" smtClean="0"/>
           </a:p>
           <a:p>
             <a:pPr lvl="3"/>
@@ -2540,6 +2476,7 @@
               <a:rPr lang="zh-CN" altLang="en-US" smtClean="0"/>
               <a:t>第四级</a:t>
             </a:r>
+            <a:endParaRPr lang="zh-CN" altLang="en-US" smtClean="0"/>
           </a:p>
           <a:p>
             <a:pPr lvl="4"/>
@@ -2586,8 +2523,6 @@
           <a:p>
             <a:fld id="{94386F72-E8DC-46CC-A34D-6B127F367524}" type="datetimeFigureOut">
               <a:rPr lang="zh-CN" altLang="en-US" smtClean="0"/>
-              <a:pPr/>
-              <a:t>2017/10/16</a:t>
             </a:fld>
             <a:endParaRPr lang="zh-CN" altLang="en-US"/>
           </a:p>
@@ -2665,19 +2600,12 @@
           <a:p>
             <a:fld id="{39D97DA0-BC23-4327-BF10-3788B062EA02}" type="slidenum">
               <a:rPr lang="zh-CN" altLang="en-US" smtClean="0"/>
-              <a:pPr/>
-              <a:t>‹#›</a:t>
             </a:fld>
             <a:endParaRPr lang="zh-CN" altLang="en-US"/>
           </a:p>
         </p:txBody>
       </p:sp>
     </p:spTree>
-    <p:extLst>
-      <p:ext uri="{BB962C8B-B14F-4D97-AF65-F5344CB8AC3E}">
-        <p14:creationId xmlns:p14="http://schemas.microsoft.com/office/powerpoint/2010/main" xmlns="" val="3218410449"/>
-      </p:ext>
-    </p:extLst>
   </p:cSld>
   <p:clrMap bg1="lt1" tx1="dk1" bg2="lt2" tx2="dk2" accent1="accent1" accent2="accent2" accent3="accent3" accent4="accent4" accent5="accent5" accent6="accent6" hlink="hlink" folHlink="folHlink"/>
   <p:sldLayoutIdLst>
@@ -2982,7 +2910,7 @@
     <p:bg>
       <p:bgPr>
         <a:blipFill dpi="0" rotWithShape="1">
-          <a:blip r:embed="rId2" cstate="print">
+          <a:blip r:embed="rId1" cstate="print">
             <a:lum/>
           </a:blip>
           <a:srcRect/>
@@ -3037,37 +2965,7 @@
                 <a:latin typeface="华文隶书" panose="02010800040101010101" pitchFamily="2" charset="-122"/>
                 <a:ea typeface="华文隶书" panose="02010800040101010101" pitchFamily="2" charset="-122"/>
               </a:rPr>
-              <a:t>姓名</a:t>
-            </a:r>
-            <a:r>
-              <a:rPr lang="zh-CN" altLang="en-US" sz="1600" dirty="0" smtClean="0">
-                <a:solidFill>
-                  <a:srgbClr val="02557B"/>
-                </a:solidFill>
-                <a:latin typeface="华文隶书" panose="02010800040101010101" pitchFamily="2" charset="-122"/>
-                <a:ea typeface="华文隶书" panose="02010800040101010101" pitchFamily="2" charset="-122"/>
-              </a:rPr>
-              <a:t>：</a:t>
-            </a:r>
-            <a:r>
-              <a:rPr lang="zh-CN" altLang="en-US" sz="1600" dirty="0" smtClean="0">
-                <a:solidFill>
-                  <a:srgbClr val="02557B"/>
-                </a:solidFill>
-                <a:latin typeface="华文隶书" panose="02010800040101010101" pitchFamily="2" charset="-122"/>
-                <a:ea typeface="华文隶书" panose="02010800040101010101" pitchFamily="2" charset="-122"/>
-              </a:rPr>
-              <a:t>刘雪春</a:t>
-            </a:r>
-            <a:r>
-              <a:rPr lang="en-US" altLang="zh-CN" sz="1600" dirty="0" smtClean="0">
-                <a:solidFill>
-                  <a:srgbClr val="02557B"/>
-                </a:solidFill>
-                <a:latin typeface="华文隶书" panose="02010800040101010101" pitchFamily="2" charset="-122"/>
-                <a:ea typeface="华文隶书" panose="02010800040101010101" pitchFamily="2" charset="-122"/>
-              </a:rPr>
-              <a:t/>
+              <a:t>姓名：刘雪春</a:t>
             </a:r>
             <a:br>
               <a:rPr lang="en-US" altLang="zh-CN" sz="1600" dirty="0" smtClean="0">
@@ -3088,16 +2986,6 @@
               </a:rPr>
               <a:t>部门：</a:t>
             </a:r>
-            <a:r>
-              <a:rPr lang="en-US" altLang="zh-CN" sz="1600" dirty="0" smtClean="0">
-                <a:solidFill>
-                  <a:srgbClr val="02557B"/>
-                </a:solidFill>
-                <a:latin typeface="华文隶书" panose="02010800040101010101" pitchFamily="2" charset="-122"/>
-                <a:ea typeface="华文隶书" panose="02010800040101010101" pitchFamily="2" charset="-122"/>
-              </a:rPr>
-              <a:t/>
-            </a:r>
             <a:br>
               <a:rPr lang="en-US" altLang="zh-CN" sz="1600" dirty="0" smtClean="0">
                 <a:solidFill>
@@ -3115,27 +3003,7 @@
                 <a:latin typeface="华文隶书" panose="02010800040101010101" pitchFamily="2" charset="-122"/>
                 <a:ea typeface="华文隶书" panose="02010800040101010101" pitchFamily="2" charset="-122"/>
               </a:rPr>
-              <a:t>岗位</a:t>
-            </a:r>
-            <a:r>
-              <a:rPr lang="zh-CN" altLang="en-US" sz="1600" dirty="0" smtClean="0">
-                <a:solidFill>
-                  <a:srgbClr val="02557B"/>
-                </a:solidFill>
-                <a:latin typeface="华文隶书" panose="02010800040101010101" pitchFamily="2" charset="-122"/>
-                <a:ea typeface="华文隶书" panose="02010800040101010101" pitchFamily="2" charset="-122"/>
-              </a:rPr>
-              <a:t>：前端开发工程师</a:t>
-            </a:r>
-            <a:r>
-              <a:rPr lang="en-US" altLang="zh-CN" sz="1600" dirty="0" smtClean="0">
-                <a:solidFill>
-                  <a:srgbClr val="02557B"/>
-                </a:solidFill>
-                <a:latin typeface="华文隶书" panose="02010800040101010101" pitchFamily="2" charset="-122"/>
-                <a:ea typeface="华文隶书" panose="02010800040101010101" pitchFamily="2" charset="-122"/>
-              </a:rPr>
-              <a:t/>
+              <a:t>岗位：前端开发工程师</a:t>
             </a:r>
             <a:br>
               <a:rPr lang="en-US" altLang="zh-CN" sz="1600" dirty="0" smtClean="0">
@@ -3154,17 +3022,7 @@
                 <a:latin typeface="华文隶书" panose="02010800040101010101" pitchFamily="2" charset="-122"/>
                 <a:ea typeface="华文隶书" panose="02010800040101010101" pitchFamily="2" charset="-122"/>
               </a:rPr>
-              <a:t>电话</a:t>
-            </a:r>
-            <a:r>
-              <a:rPr lang="zh-CN" altLang="en-US" sz="1600" dirty="0" smtClean="0">
-                <a:solidFill>
-                  <a:srgbClr val="02557B"/>
-                </a:solidFill>
-                <a:latin typeface="华文隶书" panose="02010800040101010101" pitchFamily="2" charset="-122"/>
-                <a:ea typeface="华文隶书" panose="02010800040101010101" pitchFamily="2" charset="-122"/>
-              </a:rPr>
-              <a:t>：</a:t>
+              <a:t>电话：</a:t>
             </a:r>
             <a:r>
               <a:rPr lang="en-US" altLang="zh-CN" sz="1600" dirty="0" smtClean="0">
@@ -3195,7 +3053,7 @@
         <p:spPr>
           <a:xfrm>
             <a:off x="1018903" y="2525278"/>
-            <a:ext cx="4014651" cy="1887696"/>
+            <a:ext cx="4014651" cy="4451350"/>
           </a:xfrm>
           <a:prstGeom prst="rect">
             <a:avLst/>
@@ -3391,47 +3249,7 @@
                 <a:latin typeface="华文隶书" panose="02010800040101010101" pitchFamily="2" charset="-122"/>
                 <a:ea typeface="华文隶书" panose="02010800040101010101" pitchFamily="2" charset="-122"/>
               </a:rPr>
-              <a:t>于</a:t>
-            </a:r>
-            <a:r>
-              <a:rPr lang="zh-CN" altLang="en-US" sz="1600" dirty="0" smtClean="0">
-                <a:solidFill>
-                  <a:srgbClr val="01567C"/>
-                </a:solidFill>
-                <a:latin typeface="华文隶书" panose="02010800040101010101" pitchFamily="2" charset="-122"/>
-                <a:ea typeface="华文隶书" panose="02010800040101010101" pitchFamily="2" charset="-122"/>
-              </a:rPr>
-              <a:t>曙光国际</a:t>
-            </a:r>
-            <a:r>
-              <a:rPr lang="zh-CN" altLang="zh-CN" sz="1600" dirty="0" smtClean="0">
-                <a:solidFill>
-                  <a:srgbClr val="01567C"/>
-                </a:solidFill>
-                <a:latin typeface="华文隶书" panose="02010800040101010101" pitchFamily="2" charset="-122"/>
-                <a:ea typeface="华文隶书" panose="02010800040101010101" pitchFamily="2" charset="-122"/>
-              </a:rPr>
-              <a:t>，</a:t>
-            </a:r>
-            <a:r>
-              <a:rPr lang="zh-CN" altLang="zh-CN" sz="1600" dirty="0" smtClean="0">
-                <a:solidFill>
-                  <a:srgbClr val="01567C"/>
-                </a:solidFill>
-                <a:latin typeface="华文隶书" panose="02010800040101010101" pitchFamily="2" charset="-122"/>
-                <a:ea typeface="华文隶书" panose="02010800040101010101" pitchFamily="2" charset="-122"/>
-              </a:rPr>
-              <a:t>从</a:t>
-            </a:r>
-            <a:r>
-              <a:rPr lang="zh-CN" altLang="zh-CN" sz="1600" dirty="0" smtClean="0">
-                <a:solidFill>
-                  <a:srgbClr val="01567C"/>
-                </a:solidFill>
-                <a:latin typeface="华文隶书" panose="02010800040101010101" pitchFamily="2" charset="-122"/>
-                <a:ea typeface="华文隶书" panose="02010800040101010101" pitchFamily="2" charset="-122"/>
-              </a:rPr>
-              <a:t>事</a:t>
+              <a:t>于成都曙光光纤有限公司，从事</a:t>
             </a:r>
             <a:r>
               <a:rPr lang="zh-CN" altLang="en-US" sz="1600" dirty="0" smtClean="0">
@@ -3513,7 +3331,31 @@
               </a:rPr>
               <a:t>。</a:t>
             </a:r>
-            <a:endParaRPr lang="en-US" altLang="zh-CN" sz="1600" smtClean="0">
+            <a:endParaRPr lang="zh-CN" altLang="zh-CN" sz="1600" dirty="0" smtClean="0">
+              <a:solidFill>
+                <a:srgbClr val="01567C"/>
+              </a:solidFill>
+              <a:latin typeface="华文隶书" panose="02010800040101010101" pitchFamily="2" charset="-122"/>
+              <a:ea typeface="华文隶书" panose="02010800040101010101" pitchFamily="2" charset="-122"/>
+            </a:endParaRPr>
+          </a:p>
+          <a:p>
+            <a:pPr indent="457200">
+              <a:lnSpc>
+                <a:spcPts val="2000"/>
+              </a:lnSpc>
+            </a:pPr>
+            <a:r>
+              <a:rPr lang="zh-CN" altLang="zh-CN" sz="1600" dirty="0" smtClean="0">
+                <a:solidFill>
+                  <a:srgbClr val="01567C"/>
+                </a:solidFill>
+                <a:latin typeface="华文隶书" panose="02010800040101010101" pitchFamily="2" charset="-122"/>
+                <a:ea typeface="华文隶书" panose="02010800040101010101" pitchFamily="2" charset="-122"/>
+              </a:rPr>
+              <a:t>我比较喜欢健身，不是为了减肥和塑形，仅仅是为了健康，我还喜欢养生，因为打心底觉得生命很可贵，生活很美好，没有什么东西比健健康康活着更重要，我还喜欢旅游，虽然还没有走过太多地方，但是梦想总是要有的嘛，万一实现了呢，综上所述我是一个积极向上，阳光开朗的女纸，所以以后组织活动，一定不要忘记带我飞</a:t>
+            </a:r>
+            <a:endParaRPr lang="zh-CN" altLang="zh-CN" sz="1600" dirty="0" smtClean="0">
               <a:solidFill>
                 <a:srgbClr val="01567C"/>
               </a:solidFill>
@@ -3561,59 +3403,49 @@
               </a:rPr>
               <a:t>谢大家！</a:t>
             </a:r>
+            <a:endParaRPr lang="zh-CN" altLang="zh-CN" sz="1600" dirty="0">
+              <a:solidFill>
+                <a:srgbClr val="01567C"/>
+              </a:solidFill>
+              <a:latin typeface="华文隶书" panose="02010800040101010101" pitchFamily="2" charset="-122"/>
+              <a:ea typeface="华文隶书" panose="02010800040101010101" pitchFamily="2" charset="-122"/>
+            </a:endParaRPr>
           </a:p>
         </p:txBody>
       </p:sp>
       <p:pic>
         <p:nvPicPr>
-          <p:cNvPr id="6" name="内容占位符 5"/>
+          <p:cNvPr id="4" name="内容占位符 3" descr="IMG_0973"/>
           <p:cNvPicPr>
-            <a:picLocks noGrp="1" noChangeAspect="1"/>
+            <a:picLocks noChangeAspect="1"/>
           </p:cNvPicPr>
           <p:nvPr>
             <p:ph idx="1"/>
           </p:nvPr>
         </p:nvPicPr>
         <p:blipFill>
-          <a:blip r:embed="rId3" cstate="print">
-            <a:extLst>
-              <a:ext uri="{28A0092B-C50C-407E-A947-70E740481C1C}">
-                <a14:useLocalDpi xmlns:a14="http://schemas.microsoft.com/office/drawing/2010/main" xmlns="" val="0"/>
-              </a:ext>
-            </a:extLst>
-          </a:blip>
+          <a:blip r:embed="rId2"/>
           <a:stretch>
             <a:fillRect/>
           </a:stretch>
         </p:blipFill>
         <p:spPr>
           <a:xfrm>
-            <a:off x="5151436" y="2525278"/>
-            <a:ext cx="1876040" cy="2444023"/>
+            <a:off x="5033645" y="2319020"/>
+            <a:ext cx="3326765" cy="2494915"/>
           </a:xfrm>
           <a:prstGeom prst="rect">
             <a:avLst/>
           </a:prstGeom>
-          <a:ln>
-            <a:noFill/>
-          </a:ln>
-          <a:effectLst>
-            <a:softEdge rad="112500"/>
-          </a:effectLst>
         </p:spPr>
       </p:pic>
     </p:spTree>
-    <p:extLst>
-      <p:ext uri="{BB962C8B-B14F-4D97-AF65-F5344CB8AC3E}">
-        <p14:creationId xmlns:p14="http://schemas.microsoft.com/office/powerpoint/2010/main" xmlns="" val="2845927674"/>
-      </p:ext>
-    </p:extLst>
   </p:cSld>
   <p:clrMapOvr>
     <a:masterClrMapping/>
   </p:clrMapOvr>
   <mc:AlternateContent xmlns:mc="http://schemas.openxmlformats.org/markup-compatibility/2006">
-    <mc:Choice xmlns:p14="http://schemas.microsoft.com/office/powerpoint/2010/main" xmlns="" Requires="p14">
+    <mc:Choice xmlns:p14="http://schemas.microsoft.com/office/powerpoint/2010/main" Requires="p14">
       <p:transition spd="slow" p14:dur="2000"/>
     </mc:Choice>
     <mc:Fallback>
@@ -3881,11 +3713,9 @@
       </a:bgFillStyleLst>
     </a:fmtScheme>
   </a:themeElements>
-  <a:objectDefaults/>
-  <a:extraClrSchemeLst/>
   <a:extLst>
     <a:ext uri="{05A4C25C-085E-4340-85A3-A5531E510DB2}">
-      <thm15:themeFamily xmlns:thm15="http://schemas.microsoft.com/office/thememl/2012/main" xmlns="" name="Office Theme" id="{62F939B6-93AF-4DB8-9C6B-D6C7DFDC589F}" vid="{4A3C46E8-61CC-4603-A589-7422A47A8E4A}"/>
+      <thm15:themeFamily xmlns:thm15="http://schemas.microsoft.com/office/thememl/2012/main" name="Office Theme" id="{62F939B6-93AF-4DB8-9C6B-D6C7DFDC589F}" vid="{4A3C46E8-61CC-4603-A589-7422A47A8E4A}"/>
     </a:ext>
   </a:extLst>
 </a:theme>
